--- a/Equipo 4+1.pptx
+++ b/Equipo 4+1.pptx
@@ -112,6 +112,11 @@
       </a:defRPr>
     </a:lvl9pPr>
   </p:defaultTextStyle>
+  <p:extLst>
+    <p:ext uri="{EFAFB233-063F-42B5-8137-9DF3F51BA10A}">
+      <p15:sldGuideLst xmlns:p15="http://schemas.microsoft.com/office/powerpoint/2012/main"/>
+    </p:ext>
+  </p:extLst>
 </p:presentation>
 </file>
 
@@ -361,7 +366,7 @@
             <a:fld id="{B61BEF0D-F0BB-DE4B-95CE-6DB70DBA9567}" type="datetimeFigureOut">
               <a:rPr lang="en-US" dirty="0"/>
               <a:pPr/>
-              <a:t>11/29/2022</a:t>
+              <a:t>11/30/2022</a:t>
             </a:fld>
             <a:endParaRPr lang="en-US" dirty="0"/>
           </a:p>
@@ -620,7 +625,7 @@
             <a:fld id="{B61BEF0D-F0BB-DE4B-95CE-6DB70DBA9567}" type="datetimeFigureOut">
               <a:rPr lang="en-US" dirty="0"/>
               <a:pPr/>
-              <a:t>11/29/2022</a:t>
+              <a:t>11/30/2022</a:t>
             </a:fld>
             <a:endParaRPr lang="en-US" dirty="0"/>
           </a:p>
@@ -852,7 +857,7 @@
             <a:fld id="{B61BEF0D-F0BB-DE4B-95CE-6DB70DBA9567}" type="datetimeFigureOut">
               <a:rPr lang="en-US" dirty="0"/>
               <a:pPr/>
-              <a:t>11/29/2022</a:t>
+              <a:t>11/30/2022</a:t>
             </a:fld>
             <a:endParaRPr lang="en-US" dirty="0"/>
           </a:p>
@@ -1089,7 +1094,7 @@
             <a:fld id="{B61BEF0D-F0BB-DE4B-95CE-6DB70DBA9567}" type="datetimeFigureOut">
               <a:rPr lang="en-US" dirty="0"/>
               <a:pPr/>
-              <a:t>11/29/2022</a:t>
+              <a:t>11/30/2022</a:t>
             </a:fld>
             <a:endParaRPr lang="en-US" dirty="0"/>
           </a:p>
@@ -1393,7 +1398,7 @@
             <a:fld id="{B61BEF0D-F0BB-DE4B-95CE-6DB70DBA9567}" type="datetimeFigureOut">
               <a:rPr lang="en-US" dirty="0"/>
               <a:pPr/>
-              <a:t>11/29/2022</a:t>
+              <a:t>11/30/2022</a:t>
             </a:fld>
             <a:endParaRPr lang="en-US" dirty="0"/>
           </a:p>
@@ -1692,7 +1697,7 @@
             <a:fld id="{B61BEF0D-F0BB-DE4B-95CE-6DB70DBA9567}" type="datetimeFigureOut">
               <a:rPr lang="en-US" dirty="0"/>
               <a:pPr/>
-              <a:t>11/29/2022</a:t>
+              <a:t>11/30/2022</a:t>
             </a:fld>
             <a:endParaRPr lang="en-US" dirty="0"/>
           </a:p>
@@ -2111,7 +2116,7 @@
             <a:fld id="{B61BEF0D-F0BB-DE4B-95CE-6DB70DBA9567}" type="datetimeFigureOut">
               <a:rPr lang="en-US" dirty="0"/>
               <a:pPr/>
-              <a:t>11/29/2022</a:t>
+              <a:t>11/30/2022</a:t>
             </a:fld>
             <a:endParaRPr lang="en-US" dirty="0"/>
           </a:p>
@@ -2270,7 +2275,7 @@
             <a:fld id="{B61BEF0D-F0BB-DE4B-95CE-6DB70DBA9567}" type="datetimeFigureOut">
               <a:rPr lang="en-US" dirty="0"/>
               <a:pPr/>
-              <a:t>11/29/2022</a:t>
+              <a:t>11/30/2022</a:t>
             </a:fld>
             <a:endParaRPr lang="en-US" dirty="0"/>
           </a:p>
@@ -2362,7 +2367,7 @@
             <a:fld id="{B61BEF0D-F0BB-DE4B-95CE-6DB70DBA9567}" type="datetimeFigureOut">
               <a:rPr lang="en-US" dirty="0"/>
               <a:pPr/>
-              <a:t>11/29/2022</a:t>
+              <a:t>11/30/2022</a:t>
             </a:fld>
             <a:endParaRPr lang="en-US" dirty="0"/>
           </a:p>
@@ -2737,7 +2742,7 @@
             <a:fld id="{B61BEF0D-F0BB-DE4B-95CE-6DB70DBA9567}" type="datetimeFigureOut">
               <a:rPr lang="en-US" dirty="0"/>
               <a:pPr/>
-              <a:t>11/29/2022</a:t>
+              <a:t>11/30/2022</a:t>
             </a:fld>
             <a:endParaRPr lang="en-US" dirty="0"/>
           </a:p>
@@ -3023,7 +3028,7 @@
             <a:fld id="{B61BEF0D-F0BB-DE4B-95CE-6DB70DBA9567}" type="datetimeFigureOut">
               <a:rPr lang="en-US" dirty="0"/>
               <a:pPr/>
-              <a:t>11/29/2022</a:t>
+              <a:t>11/30/2022</a:t>
             </a:fld>
             <a:endParaRPr lang="en-US" dirty="0"/>
           </a:p>
@@ -3231,7 +3236,7 @@
             <a:fld id="{B61BEF0D-F0BB-DE4B-95CE-6DB70DBA9567}" type="datetimeFigureOut">
               <a:rPr lang="en-US" dirty="0"/>
               <a:pPr/>
-              <a:t>11/29/2022</a:t>
+              <a:t>11/30/2022</a:t>
             </a:fld>
             <a:endParaRPr lang="en-US" dirty="0"/>
           </a:p>
@@ -3884,6 +3889,20 @@
           </a:bodyPr>
           <a:lstStyle/>
           <a:p>
+            <a:endParaRPr lang="es-ES" u="sng" dirty="0">
+              <a:solidFill>
+                <a:schemeClr val="bg1"/>
+              </a:solidFill>
+            </a:endParaRPr>
+          </a:p>
+          <a:p>
+            <a:endParaRPr lang="es-ES" u="sng" dirty="0">
+              <a:solidFill>
+                <a:schemeClr val="bg1"/>
+              </a:solidFill>
+            </a:endParaRPr>
+          </a:p>
+          <a:p>
             <a:r>
               <a:rPr lang="es-ES" u="sng" dirty="0">
                 <a:solidFill>
@@ -4574,15 +4593,7 @@
             </a:r>
             <a:r>
               <a:rPr lang="es-ES" dirty="0"/>
-              <a:t>: Página de empresa y diseño de las </a:t>
-            </a:r>
-            <a:r>
-              <a:rPr lang="es-ES" dirty="0" err="1"/>
-              <a:t>NavBar</a:t>
-            </a:r>
-            <a:r>
-              <a:rPr lang="es-ES" dirty="0"/>
-              <a:t>.</a:t>
+              <a:t>: Página de empresa.</a:t>
             </a:r>
           </a:p>
           <a:p>

--- a/Equipo 4+1.pptx
+++ b/Equipo 4+1.pptx
@@ -14,6 +14,7 @@
     <p:sldId id="259" r:id="rId8"/>
     <p:sldId id="263" r:id="rId9"/>
     <p:sldId id="264" r:id="rId10"/>
+    <p:sldId id="265" r:id="rId11"/>
   </p:sldIdLst>
   <p:sldSz cx="12192000" cy="6858000"/>
   <p:notesSz cx="6858000" cy="9144000"/>
@@ -3967,6 +3968,65 @@
 </p:sld>
 </file>
 
+<file path=ppt/slides/slide10.xml><?xml version="1.0" encoding="utf-8"?>
+<p:sld xmlns:a="http://schemas.openxmlformats.org/drawingml/2006/main" xmlns:r="http://schemas.openxmlformats.org/officeDocument/2006/relationships" xmlns:p="http://schemas.openxmlformats.org/presentationml/2006/main">
+  <p:cSld>
+    <p:spTree>
+      <p:nvGrpSpPr>
+        <p:cNvPr id="1" name=""/>
+        <p:cNvGrpSpPr/>
+        <p:nvPr/>
+      </p:nvGrpSpPr>
+      <p:grpSpPr>
+        <a:xfrm>
+          <a:off x="0" y="0"/>
+          <a:ext cx="0" cy="0"/>
+          <a:chOff x="0" y="0"/>
+          <a:chExt cx="0" cy="0"/>
+        </a:xfrm>
+      </p:grpSpPr>
+      <p:sp>
+        <p:nvSpPr>
+          <p:cNvPr id="2" name="Título 1">
+            <a:extLst>
+              <a:ext uri="{FF2B5EF4-FFF2-40B4-BE49-F238E27FC236}">
+                <a16:creationId xmlns:a16="http://schemas.microsoft.com/office/drawing/2014/main" id="{B9A131D0-532A-A88C-3162-FF02A440FB0A}"/>
+              </a:ext>
+            </a:extLst>
+          </p:cNvPr>
+          <p:cNvSpPr>
+            <a:spLocks noGrp="1"/>
+          </p:cNvSpPr>
+          <p:nvPr>
+            <p:ph type="ctrTitle"/>
+          </p:nvPr>
+        </p:nvSpPr>
+        <p:spPr/>
+        <p:txBody>
+          <a:bodyPr/>
+          <a:lstStyle/>
+          <a:p>
+            <a:pPr algn="ctr"/>
+            <a:r>
+              <a:rPr lang="es-ES" dirty="0"/>
+              <a:t>FIN</a:t>
+            </a:r>
+          </a:p>
+        </p:txBody>
+      </p:sp>
+    </p:spTree>
+    <p:extLst>
+      <p:ext uri="{BB962C8B-B14F-4D97-AF65-F5344CB8AC3E}">
+        <p14:creationId xmlns:p14="http://schemas.microsoft.com/office/powerpoint/2010/main" val="1114650625"/>
+      </p:ext>
+    </p:extLst>
+  </p:cSld>
+  <p:clrMapOvr>
+    <a:masterClrMapping/>
+  </p:clrMapOvr>
+</p:sld>
+</file>
+
 <file path=ppt/slides/slide2.xml><?xml version="1.0" encoding="utf-8"?>
 <p:sld xmlns:a="http://schemas.openxmlformats.org/drawingml/2006/main" xmlns:r="http://schemas.openxmlformats.org/officeDocument/2006/relationships" xmlns:p="http://schemas.openxmlformats.org/presentationml/2006/main">
   <p:cSld>
@@ -4486,6 +4546,12 @@
             <a:r>
               <a:rPr lang="es-ES" dirty="0"/>
               <a:t>Validación del Log In.</a:t>
+            </a:r>
+          </a:p>
+          <a:p>
+            <a:r>
+              <a:rPr lang="es-ES" dirty="0"/>
+              <a:t>Ajustar todo en las distintas tablas.</a:t>
             </a:r>
           </a:p>
         </p:txBody>

--- a/Equipo 4+1.pptx
+++ b/Equipo 4+1.pptx
@@ -4747,7 +4747,7 @@
         <p:spPr/>
         <p:txBody>
           <a:bodyPr>
-            <a:normAutofit fontScale="92500" lnSpcReduction="10000"/>
+            <a:normAutofit fontScale="92500" lnSpcReduction="20000"/>
           </a:bodyPr>
           <a:lstStyle/>
           <a:p>
@@ -4767,6 +4767,17 @@
               <a:rPr lang="es-ES" dirty="0"/>
               <a:t>Añadir una validación para que los alumnos no puedan acceder a la página de profesor en caso de que el profesor acceda a la página de alumnos y quiera volver.</a:t>
             </a:r>
+          </a:p>
+          <a:p>
+            <a:r>
+              <a:rPr lang="es-ES" dirty="0"/>
+              <a:t>Previsualización </a:t>
+            </a:r>
+            <a:r>
+              <a:rPr lang="es-ES"/>
+              <a:t>imágenes tabla empresas.</a:t>
+            </a:r>
+            <a:endParaRPr lang="es-ES" dirty="0"/>
           </a:p>
           <a:p>
             <a:endParaRPr lang="es-ES" dirty="0"/>

--- a/Equipo 4+1.pptx
+++ b/Equipo 4+1.pptx
@@ -4297,7 +4297,7 @@
         <p:spPr/>
         <p:txBody>
           <a:bodyPr>
-            <a:normAutofit lnSpcReduction="10000"/>
+            <a:normAutofit fontScale="92500"/>
           </a:bodyPr>
           <a:lstStyle/>
           <a:p>
@@ -4321,7 +4321,7 @@
           <a:p>
             <a:r>
               <a:rPr lang="es-ES" dirty="0"/>
-              <a:t>Por último, tanto profesores como alumnos obtendrán acceso a una página con las empresas que participan en la formación de los distintos alumnos con sus datos de contacto y un enlace a sus páginas empresariales.</a:t>
+              <a:t>Por último, para los profesores obtendrán acceso a una página con las empresas que participan en la formación de los distintos alumnos con sus datos de contacto y un enlace a sus páginas empresariales, además de poder añadir incorporaciones.</a:t>
             </a:r>
           </a:p>
         </p:txBody>
@@ -4901,7 +4901,10 @@
           <a:bodyPr/>
           <a:lstStyle/>
           <a:p>
-            <a:endParaRPr lang="es-ES" dirty="0"/>
+            <a:r>
+              <a:rPr lang="es-ES" dirty="0"/>
+              <a:t>https://github.com/Chicago-Melimpio/alumnosProfes</a:t>
+            </a:r>
           </a:p>
         </p:txBody>
       </p:sp>
